--- a/Ciber seguridad.pptx
+++ b/Ciber seguridad.pptx
@@ -9,6 +9,12 @@
     <p:sldId id="257" r:id="rId3"/>
     <p:sldId id="258" r:id="rId4"/>
     <p:sldId id="259" r:id="rId5"/>
+    <p:sldId id="260" r:id="rId6"/>
+    <p:sldId id="261" r:id="rId7"/>
+    <p:sldId id="262" r:id="rId8"/>
+    <p:sldId id="263" r:id="rId9"/>
+    <p:sldId id="264" r:id="rId10"/>
+    <p:sldId id="265" r:id="rId11"/>
   </p:sldIdLst>
   <p:sldSz cx="12192000" cy="6858000"/>
   <p:notesSz cx="6858000" cy="9144000"/>
@@ -107,6 +113,11 @@
       </a:defRPr>
     </a:lvl9pPr>
   </p:defaultTextStyle>
+  <p:extLst>
+    <p:ext uri="{EFAFB233-063F-42B5-8137-9DF3F51BA10A}">
+      <p15:sldGuideLst xmlns:p15="http://schemas.microsoft.com/office/powerpoint/2012/main"/>
+    </p:ext>
+  </p:extLst>
 </p:presentation>
 </file>
 
@@ -563,7 +574,7 @@
           <a:p>
             <a:fld id="{68A5BF24-D156-4664-A46C-1767586388D3}" type="datetimeFigureOut">
               <a:rPr lang="es-MX" smtClean="0"/>
-              <a:t>04/06/2025</a:t>
+              <a:t>06/06/2025</a:t>
             </a:fld>
             <a:endParaRPr lang="es-MX" dirty="0"/>
           </a:p>
@@ -895,7 +906,7 @@
           <a:p>
             <a:fld id="{68A5BF24-D156-4664-A46C-1767586388D3}" type="datetimeFigureOut">
               <a:rPr lang="es-MX" smtClean="0"/>
-              <a:t>04/06/2025</a:t>
+              <a:t>06/06/2025</a:t>
             </a:fld>
             <a:endParaRPr lang="es-MX" dirty="0"/>
           </a:p>
@@ -1091,7 +1102,7 @@
           <a:p>
             <a:fld id="{68A5BF24-D156-4664-A46C-1767586388D3}" type="datetimeFigureOut">
               <a:rPr lang="es-MX" smtClean="0"/>
-              <a:t>04/06/2025</a:t>
+              <a:t>06/06/2025</a:t>
             </a:fld>
             <a:endParaRPr lang="es-MX" dirty="0"/>
           </a:p>
@@ -1361,7 +1372,7 @@
           <a:p>
             <a:fld id="{68A5BF24-D156-4664-A46C-1767586388D3}" type="datetimeFigureOut">
               <a:rPr lang="es-MX" smtClean="0"/>
-              <a:t>04/06/2025</a:t>
+              <a:t>06/06/2025</a:t>
             </a:fld>
             <a:endParaRPr lang="es-MX" dirty="0"/>
           </a:p>
@@ -1789,7 +1800,7 @@
           <a:p>
             <a:fld id="{68A5BF24-D156-4664-A46C-1767586388D3}" type="datetimeFigureOut">
               <a:rPr lang="es-MX" smtClean="0"/>
-              <a:t>04/06/2025</a:t>
+              <a:t>06/06/2025</a:t>
             </a:fld>
             <a:endParaRPr lang="es-MX" dirty="0"/>
           </a:p>
@@ -2339,7 +2350,7 @@
           <a:p>
             <a:fld id="{68A5BF24-D156-4664-A46C-1767586388D3}" type="datetimeFigureOut">
               <a:rPr lang="es-MX" smtClean="0"/>
-              <a:t>04/06/2025</a:t>
+              <a:t>06/06/2025</a:t>
             </a:fld>
             <a:endParaRPr lang="es-MX" dirty="0"/>
           </a:p>
@@ -3129,7 +3140,7 @@
           <a:p>
             <a:fld id="{68A5BF24-D156-4664-A46C-1767586388D3}" type="datetimeFigureOut">
               <a:rPr lang="es-MX" smtClean="0"/>
-              <a:t>04/06/2025</a:t>
+              <a:t>06/06/2025</a:t>
             </a:fld>
             <a:endParaRPr lang="es-MX" dirty="0"/>
           </a:p>
@@ -3308,7 +3319,7 @@
           <a:p>
             <a:fld id="{68A5BF24-D156-4664-A46C-1767586388D3}" type="datetimeFigureOut">
               <a:rPr lang="es-MX" smtClean="0"/>
-              <a:t>04/06/2025</a:t>
+              <a:t>06/06/2025</a:t>
             </a:fld>
             <a:endParaRPr lang="es-MX" dirty="0"/>
           </a:p>
@@ -3492,7 +3503,7 @@
           <a:p>
             <a:fld id="{68A5BF24-D156-4664-A46C-1767586388D3}" type="datetimeFigureOut">
               <a:rPr lang="es-MX" smtClean="0"/>
-              <a:t>04/06/2025</a:t>
+              <a:t>06/06/2025</a:t>
             </a:fld>
             <a:endParaRPr lang="es-MX" dirty="0"/>
           </a:p>
@@ -3667,7 +3678,7 @@
           <a:p>
             <a:fld id="{68A5BF24-D156-4664-A46C-1767586388D3}" type="datetimeFigureOut">
               <a:rPr lang="es-MX" smtClean="0"/>
-              <a:t>04/06/2025</a:t>
+              <a:t>06/06/2025</a:t>
             </a:fld>
             <a:endParaRPr lang="es-MX" dirty="0"/>
           </a:p>
@@ -3917,7 +3928,7 @@
           <a:p>
             <a:fld id="{68A5BF24-D156-4664-A46C-1767586388D3}" type="datetimeFigureOut">
               <a:rPr lang="es-MX" smtClean="0"/>
-              <a:t>04/06/2025</a:t>
+              <a:t>06/06/2025</a:t>
             </a:fld>
             <a:endParaRPr lang="es-MX" dirty="0"/>
           </a:p>
@@ -4154,7 +4165,7 @@
           <a:p>
             <a:fld id="{68A5BF24-D156-4664-A46C-1767586388D3}" type="datetimeFigureOut">
               <a:rPr lang="es-MX" smtClean="0"/>
-              <a:t>04/06/2025</a:t>
+              <a:t>06/06/2025</a:t>
             </a:fld>
             <a:endParaRPr lang="es-MX" dirty="0"/>
           </a:p>
@@ -4539,7 +4550,7 @@
           <a:p>
             <a:fld id="{68A5BF24-D156-4664-A46C-1767586388D3}" type="datetimeFigureOut">
               <a:rPr lang="es-MX" smtClean="0"/>
-              <a:t>04/06/2025</a:t>
+              <a:t>06/06/2025</a:t>
             </a:fld>
             <a:endParaRPr lang="es-MX" dirty="0"/>
           </a:p>
@@ -4657,7 +4668,7 @@
           <a:p>
             <a:fld id="{68A5BF24-D156-4664-A46C-1767586388D3}" type="datetimeFigureOut">
               <a:rPr lang="es-MX" smtClean="0"/>
-              <a:t>04/06/2025</a:t>
+              <a:t>06/06/2025</a:t>
             </a:fld>
             <a:endParaRPr lang="es-MX" dirty="0"/>
           </a:p>
@@ -4752,7 +4763,7 @@
           <a:p>
             <a:fld id="{68A5BF24-D156-4664-A46C-1767586388D3}" type="datetimeFigureOut">
               <a:rPr lang="es-MX" smtClean="0"/>
-              <a:t>04/06/2025</a:t>
+              <a:t>06/06/2025</a:t>
             </a:fld>
             <a:endParaRPr lang="es-MX" dirty="0"/>
           </a:p>
@@ -5005,7 +5016,7 @@
           <a:p>
             <a:fld id="{68A5BF24-D156-4664-A46C-1767586388D3}" type="datetimeFigureOut">
               <a:rPr lang="es-MX" smtClean="0"/>
-              <a:t>04/06/2025</a:t>
+              <a:t>06/06/2025</a:t>
             </a:fld>
             <a:endParaRPr lang="es-MX" dirty="0"/>
           </a:p>
@@ -5274,7 +5285,7 @@
           <a:p>
             <a:fld id="{68A5BF24-D156-4664-A46C-1767586388D3}" type="datetimeFigureOut">
               <a:rPr lang="es-MX" smtClean="0"/>
-              <a:t>04/06/2025</a:t>
+              <a:t>06/06/2025</a:t>
             </a:fld>
             <a:endParaRPr lang="es-MX" dirty="0"/>
           </a:p>
@@ -5677,7 +5688,7 @@
           <a:p>
             <a:fld id="{68A5BF24-D156-4664-A46C-1767586388D3}" type="datetimeFigureOut">
               <a:rPr lang="es-MX" smtClean="0"/>
-              <a:t>04/06/2025</a:t>
+              <a:t>06/06/2025</a:t>
             </a:fld>
             <a:endParaRPr lang="es-MX" dirty="0"/>
           </a:p>
@@ -6203,6 +6214,98 @@
 </p:sld>
 </file>
 
+<file path=ppt/slides/slide10.xml><?xml version="1.0" encoding="utf-8"?>
+<p:sld xmlns:a="http://schemas.openxmlformats.org/drawingml/2006/main" xmlns:r="http://schemas.openxmlformats.org/officeDocument/2006/relationships" xmlns:p="http://schemas.openxmlformats.org/presentationml/2006/main">
+  <p:cSld>
+    <p:spTree>
+      <p:nvGrpSpPr>
+        <p:cNvPr id="1" name=""/>
+        <p:cNvGrpSpPr/>
+        <p:nvPr/>
+      </p:nvGrpSpPr>
+      <p:grpSpPr>
+        <a:xfrm>
+          <a:off x="0" y="0"/>
+          <a:ext cx="0" cy="0"/>
+          <a:chOff x="0" y="0"/>
+          <a:chExt cx="0" cy="0"/>
+        </a:xfrm>
+      </p:grpSpPr>
+      <p:sp>
+        <p:nvSpPr>
+          <p:cNvPr id="2" name="Título 1">
+            <a:extLst>
+              <a:ext uri="{FF2B5EF4-FFF2-40B4-BE49-F238E27FC236}">
+                <a16:creationId xmlns:a16="http://schemas.microsoft.com/office/drawing/2014/main" id="{463B32AD-BAEE-F4AB-DAF6-EACED9494977}"/>
+              </a:ext>
+            </a:extLst>
+          </p:cNvPr>
+          <p:cNvSpPr>
+            <a:spLocks noGrp="1"/>
+          </p:cNvSpPr>
+          <p:nvPr>
+            <p:ph type="title"/>
+          </p:nvPr>
+        </p:nvSpPr>
+        <p:spPr/>
+        <p:txBody>
+          <a:bodyPr/>
+          <a:lstStyle/>
+          <a:p>
+            <a:r>
+              <a:rPr lang="es-MX" dirty="0" err="1"/>
+              <a:t>conclusion</a:t>
+            </a:r>
+            <a:endParaRPr lang="es-MX" dirty="0"/>
+          </a:p>
+        </p:txBody>
+      </p:sp>
+      <p:sp>
+        <p:nvSpPr>
+          <p:cNvPr id="3" name="Marcador de contenido 2">
+            <a:extLst>
+              <a:ext uri="{FF2B5EF4-FFF2-40B4-BE49-F238E27FC236}">
+                <a16:creationId xmlns:a16="http://schemas.microsoft.com/office/drawing/2014/main" id="{7A1CF315-C3B1-6A9B-640A-26B25E340DB1}"/>
+              </a:ext>
+            </a:extLst>
+          </p:cNvPr>
+          <p:cNvSpPr>
+            <a:spLocks noGrp="1"/>
+          </p:cNvSpPr>
+          <p:nvPr>
+            <p:ph sz="quarter" idx="13"/>
+          </p:nvPr>
+        </p:nvSpPr>
+        <p:spPr/>
+        <p:txBody>
+          <a:bodyPr/>
+          <a:lstStyle/>
+          <a:p>
+            <a:r>
+              <a:rPr lang="es-MX" dirty="0"/>
+              <a:t>La ciberseguridad A medida que avanzan la tecnología y la conectividad, también lo hacen las amenazas cibernéticas, lo que exige una respuesta constante y proactiva por parte de organizaciones, gobiernos y usuarios. </a:t>
+            </a:r>
+            <a:r>
+              <a:rPr lang="es-MX"/>
+              <a:t>Implementar buenas prácticas de seguridad, como el uso de contraseñas robustas, actualizaciones constantes de software, formación del personal y sistemas de detección de amenazas, es clave para minimizar riesgos.</a:t>
+            </a:r>
+            <a:endParaRPr lang="es-MX" dirty="0"/>
+          </a:p>
+        </p:txBody>
+      </p:sp>
+    </p:spTree>
+    <p:extLst>
+      <p:ext uri="{BB962C8B-B14F-4D97-AF65-F5344CB8AC3E}">
+        <p14:creationId xmlns:p14="http://schemas.microsoft.com/office/powerpoint/2010/main" val="954442481"/>
+      </p:ext>
+    </p:extLst>
+  </p:cSld>
+  <p:clrMapOvr>
+    <a:masterClrMapping/>
+  </p:clrMapOvr>
+</p:sld>
+</file>
+
 <file path=ppt/slides/slide2.xml><?xml version="1.0" encoding="utf-8"?>
 <p:sld xmlns:a="http://schemas.openxmlformats.org/drawingml/2006/main" xmlns:r="http://schemas.openxmlformats.org/officeDocument/2006/relationships" xmlns:p="http://schemas.openxmlformats.org/presentationml/2006/main">
   <p:cSld>
@@ -6465,6 +6568,626 @@
     <p:extLst>
       <p:ext uri="{BB962C8B-B14F-4D97-AF65-F5344CB8AC3E}">
         <p14:creationId xmlns:p14="http://schemas.microsoft.com/office/powerpoint/2010/main" val="1702723890"/>
+      </p:ext>
+    </p:extLst>
+  </p:cSld>
+  <p:clrMapOvr>
+    <a:masterClrMapping/>
+  </p:clrMapOvr>
+</p:sld>
+</file>
+
+<file path=ppt/slides/slide5.xml><?xml version="1.0" encoding="utf-8"?>
+<p:sld xmlns:a="http://schemas.openxmlformats.org/drawingml/2006/main" xmlns:r="http://schemas.openxmlformats.org/officeDocument/2006/relationships" xmlns:p="http://schemas.openxmlformats.org/presentationml/2006/main">
+  <p:cSld>
+    <p:spTree>
+      <p:nvGrpSpPr>
+        <p:cNvPr id="1" name=""/>
+        <p:cNvGrpSpPr/>
+        <p:nvPr/>
+      </p:nvGrpSpPr>
+      <p:grpSpPr>
+        <a:xfrm>
+          <a:off x="0" y="0"/>
+          <a:ext cx="0" cy="0"/>
+          <a:chOff x="0" y="0"/>
+          <a:chExt cx="0" cy="0"/>
+        </a:xfrm>
+      </p:grpSpPr>
+      <p:sp>
+        <p:nvSpPr>
+          <p:cNvPr id="2" name="Título 1">
+            <a:extLst>
+              <a:ext uri="{FF2B5EF4-FFF2-40B4-BE49-F238E27FC236}">
+                <a16:creationId xmlns:a16="http://schemas.microsoft.com/office/drawing/2014/main" id="{0857B56A-5826-9509-84A0-0F7D3CE6EDC0}"/>
+              </a:ext>
+            </a:extLst>
+          </p:cNvPr>
+          <p:cNvSpPr>
+            <a:spLocks noGrp="1"/>
+          </p:cNvSpPr>
+          <p:nvPr>
+            <p:ph type="title"/>
+          </p:nvPr>
+        </p:nvSpPr>
+        <p:spPr/>
+        <p:txBody>
+          <a:bodyPr/>
+          <a:lstStyle/>
+          <a:p>
+            <a:r>
+              <a:rPr lang="es-MX" dirty="0"/>
+              <a:t>Seguridad en la red</a:t>
+            </a:r>
+          </a:p>
+        </p:txBody>
+      </p:sp>
+      <p:sp>
+        <p:nvSpPr>
+          <p:cNvPr id="3" name="Marcador de contenido 2">
+            <a:extLst>
+              <a:ext uri="{FF2B5EF4-FFF2-40B4-BE49-F238E27FC236}">
+                <a16:creationId xmlns:a16="http://schemas.microsoft.com/office/drawing/2014/main" id="{F4797876-2B10-92BF-95D8-0F3A26BA98D4}"/>
+              </a:ext>
+            </a:extLst>
+          </p:cNvPr>
+          <p:cNvSpPr>
+            <a:spLocks noGrp="1"/>
+          </p:cNvSpPr>
+          <p:nvPr>
+            <p:ph sz="quarter" idx="13"/>
+          </p:nvPr>
+        </p:nvSpPr>
+        <p:spPr/>
+        <p:txBody>
+          <a:bodyPr/>
+          <a:lstStyle/>
+          <a:p>
+            <a:r>
+              <a:rPr lang="es-MX" dirty="0"/>
+              <a:t>La gran parte de la seguridad se reduce  a dos preguntas: ¿Quién eres y a que deberías tener acceso hay 3 tipos de autenticación cada uno tiene sus pros y sus contras</a:t>
+            </a:r>
+          </a:p>
+          <a:p>
+            <a:endParaRPr lang="es-MX" dirty="0"/>
+          </a:p>
+          <a:p>
+            <a:pPr marL="0" indent="0">
+              <a:buNone/>
+            </a:pPr>
+            <a:r>
+              <a:rPr lang="es-MX" dirty="0"/>
+              <a:t>Las contraseñas MAS FACILES DE DESIFRAR SON</a:t>
+            </a:r>
+          </a:p>
+          <a:p>
+            <a:pPr marL="0" indent="0">
+              <a:buNone/>
+            </a:pPr>
+            <a:r>
+              <a:rPr lang="es-MX" dirty="0"/>
+              <a:t>123456 ,PASSWORD Y QWERTY</a:t>
+            </a:r>
+          </a:p>
+          <a:p>
+            <a:pPr marL="0" indent="0">
+              <a:buNone/>
+            </a:pPr>
+            <a:r>
+              <a:rPr lang="es-MX" dirty="0"/>
+              <a:t>LOS PINES DE 4 DIGITOS COMO 2580 SOLO EXISTEN 10 MIL COMBINACIOENES POSIBLES</a:t>
+            </a:r>
+          </a:p>
+        </p:txBody>
+      </p:sp>
+    </p:spTree>
+    <p:extLst>
+      <p:ext uri="{BB962C8B-B14F-4D97-AF65-F5344CB8AC3E}">
+        <p14:creationId xmlns:p14="http://schemas.microsoft.com/office/powerpoint/2010/main" val="3153420801"/>
+      </p:ext>
+    </p:extLst>
+  </p:cSld>
+  <p:clrMapOvr>
+    <a:masterClrMapping/>
+  </p:clrMapOvr>
+</p:sld>
+</file>
+
+<file path=ppt/slides/slide6.xml><?xml version="1.0" encoding="utf-8"?>
+<p:sld xmlns:a="http://schemas.openxmlformats.org/drawingml/2006/main" xmlns:r="http://schemas.openxmlformats.org/officeDocument/2006/relationships" xmlns:p="http://schemas.openxmlformats.org/presentationml/2006/main">
+  <p:cSld>
+    <p:spTree>
+      <p:nvGrpSpPr>
+        <p:cNvPr id="1" name=""/>
+        <p:cNvGrpSpPr/>
+        <p:nvPr/>
+      </p:nvGrpSpPr>
+      <p:grpSpPr>
+        <a:xfrm>
+          <a:off x="0" y="0"/>
+          <a:ext cx="0" cy="0"/>
+          <a:chOff x="0" y="0"/>
+          <a:chExt cx="0" cy="0"/>
+        </a:xfrm>
+      </p:grpSpPr>
+      <p:sp>
+        <p:nvSpPr>
+          <p:cNvPr id="2" name="Título 1">
+            <a:extLst>
+              <a:ext uri="{FF2B5EF4-FFF2-40B4-BE49-F238E27FC236}">
+                <a16:creationId xmlns:a16="http://schemas.microsoft.com/office/drawing/2014/main" id="{8CF04C86-79FB-B93D-E3E2-47203AFA1804}"/>
+              </a:ext>
+            </a:extLst>
+          </p:cNvPr>
+          <p:cNvSpPr>
+            <a:spLocks noGrp="1"/>
+          </p:cNvSpPr>
+          <p:nvPr>
+            <p:ph type="title"/>
+          </p:nvPr>
+        </p:nvSpPr>
+        <p:spPr>
+          <a:xfrm>
+            <a:off x="685801" y="655820"/>
+            <a:ext cx="10396882" cy="1151965"/>
+          </a:xfrm>
+        </p:spPr>
+        <p:txBody>
+          <a:bodyPr/>
+          <a:lstStyle/>
+          <a:p>
+            <a:endParaRPr lang="es-MX" dirty="0"/>
+          </a:p>
+        </p:txBody>
+      </p:sp>
+      <p:pic>
+        <p:nvPicPr>
+          <p:cNvPr id="1026" name="Picture 2" descr="Dedo de la mano ingresando el código pin. Introducir la contraseña. Símbolo  de código PIN. Icono de vector. | Vector Premium">
+            <a:extLst>
+              <a:ext uri="{FF2B5EF4-FFF2-40B4-BE49-F238E27FC236}">
+                <a16:creationId xmlns:a16="http://schemas.microsoft.com/office/drawing/2014/main" id="{CC753AD0-2301-5E91-6714-B1798C458098}"/>
+              </a:ext>
+            </a:extLst>
+          </p:cNvPr>
+          <p:cNvPicPr>
+            <a:picLocks noGrp="1" noChangeAspect="1" noChangeArrowheads="1"/>
+          </p:cNvPicPr>
+          <p:nvPr>
+            <p:ph sz="quarter" idx="13"/>
+          </p:nvPr>
+        </p:nvPicPr>
+        <p:blipFill>
+          <a:blip r:embed="rId2">
+            <a:extLst>
+              <a:ext uri="{28A0092B-C50C-407E-A947-70E740481C1C}">
+                <a14:useLocalDpi xmlns:a14="http://schemas.microsoft.com/office/drawing/2010/main" val="0"/>
+              </a:ext>
+            </a:extLst>
+          </a:blip>
+          <a:srcRect/>
+          <a:stretch>
+            <a:fillRect/>
+          </a:stretch>
+        </p:blipFill>
+        <p:spPr bwMode="auto">
+          <a:xfrm>
+            <a:off x="648429" y="530693"/>
+            <a:ext cx="5447571" cy="3069236"/>
+          </a:xfrm>
+          <a:prstGeom prst="rect">
+            <a:avLst/>
+          </a:prstGeom>
+          <a:noFill/>
+          <a:extLst>
+            <a:ext uri="{909E8E84-426E-40DD-AFC4-6F175D3DCCD1}">
+              <a14:hiddenFill xmlns:a14="http://schemas.microsoft.com/office/drawing/2010/main">
+                <a:solidFill>
+                  <a:srgbClr val="FFFFFF"/>
+                </a:solidFill>
+              </a14:hiddenFill>
+            </a:ext>
+          </a:extLst>
+        </p:spPr>
+      </p:pic>
+      <p:pic>
+        <p:nvPicPr>
+          <p:cNvPr id="1028" name="Picture 4" descr="Las claves PIN son el nuevo caramelo de los hackers, ya que 1 de cada 10  personas utilizan el mismo código">
+            <a:extLst>
+              <a:ext uri="{FF2B5EF4-FFF2-40B4-BE49-F238E27FC236}">
+                <a16:creationId xmlns:a16="http://schemas.microsoft.com/office/drawing/2014/main" id="{CE406733-6413-803E-E62B-8E26CFD9F666}"/>
+              </a:ext>
+            </a:extLst>
+          </p:cNvPr>
+          <p:cNvPicPr>
+            <a:picLocks noChangeAspect="1" noChangeArrowheads="1"/>
+          </p:cNvPicPr>
+          <p:nvPr/>
+        </p:nvPicPr>
+        <p:blipFill>
+          <a:blip r:embed="rId3">
+            <a:extLst>
+              <a:ext uri="{28A0092B-C50C-407E-A947-70E740481C1C}">
+                <a14:useLocalDpi xmlns:a14="http://schemas.microsoft.com/office/drawing/2010/main" val="0"/>
+              </a:ext>
+            </a:extLst>
+          </a:blip>
+          <a:srcRect/>
+          <a:stretch>
+            <a:fillRect/>
+          </a:stretch>
+        </p:blipFill>
+        <p:spPr bwMode="auto">
+          <a:xfrm>
+            <a:off x="6096000" y="428104"/>
+            <a:ext cx="4762500" cy="3171825"/>
+          </a:xfrm>
+          <a:prstGeom prst="rect">
+            <a:avLst/>
+          </a:prstGeom>
+          <a:noFill/>
+          <a:extLst>
+            <a:ext uri="{909E8E84-426E-40DD-AFC4-6F175D3DCCD1}">
+              <a14:hiddenFill xmlns:a14="http://schemas.microsoft.com/office/drawing/2010/main">
+                <a:solidFill>
+                  <a:srgbClr val="FFFFFF"/>
+                </a:solidFill>
+              </a14:hiddenFill>
+            </a:ext>
+          </a:extLst>
+        </p:spPr>
+      </p:pic>
+    </p:spTree>
+    <p:extLst>
+      <p:ext uri="{BB962C8B-B14F-4D97-AF65-F5344CB8AC3E}">
+        <p14:creationId xmlns:p14="http://schemas.microsoft.com/office/powerpoint/2010/main" val="1616602354"/>
+      </p:ext>
+    </p:extLst>
+  </p:cSld>
+  <p:clrMapOvr>
+    <a:masterClrMapping/>
+  </p:clrMapOvr>
+</p:sld>
+</file>
+
+<file path=ppt/slides/slide7.xml><?xml version="1.0" encoding="utf-8"?>
+<p:sld xmlns:a="http://schemas.openxmlformats.org/drawingml/2006/main" xmlns:r="http://schemas.openxmlformats.org/officeDocument/2006/relationships" xmlns:p="http://schemas.openxmlformats.org/presentationml/2006/main">
+  <p:cSld>
+    <p:spTree>
+      <p:nvGrpSpPr>
+        <p:cNvPr id="1" name=""/>
+        <p:cNvGrpSpPr/>
+        <p:nvPr/>
+      </p:nvGrpSpPr>
+      <p:grpSpPr>
+        <a:xfrm>
+          <a:off x="0" y="0"/>
+          <a:ext cx="0" cy="0"/>
+          <a:chOff x="0" y="0"/>
+          <a:chExt cx="0" cy="0"/>
+        </a:xfrm>
+      </p:grpSpPr>
+      <p:sp>
+        <p:nvSpPr>
+          <p:cNvPr id="2" name="Título 1">
+            <a:extLst>
+              <a:ext uri="{FF2B5EF4-FFF2-40B4-BE49-F238E27FC236}">
+                <a16:creationId xmlns:a16="http://schemas.microsoft.com/office/drawing/2014/main" id="{8915D8BB-1097-3870-15CD-A47B88789952}"/>
+              </a:ext>
+            </a:extLst>
+          </p:cNvPr>
+          <p:cNvSpPr>
+            <a:spLocks noGrp="1"/>
+          </p:cNvSpPr>
+          <p:nvPr>
+            <p:ph type="title"/>
+          </p:nvPr>
+        </p:nvSpPr>
+        <p:spPr/>
+        <p:txBody>
+          <a:bodyPr/>
+          <a:lstStyle/>
+          <a:p>
+            <a:r>
+              <a:rPr lang="es-MX" dirty="0"/>
+              <a:t>HACKERS Y CIBERATAQUES</a:t>
+            </a:r>
+          </a:p>
+        </p:txBody>
+      </p:sp>
+      <p:sp>
+        <p:nvSpPr>
+          <p:cNvPr id="3" name="Marcador de contenido 2">
+            <a:extLst>
+              <a:ext uri="{FF2B5EF4-FFF2-40B4-BE49-F238E27FC236}">
+                <a16:creationId xmlns:a16="http://schemas.microsoft.com/office/drawing/2014/main" id="{B12A972E-6070-1A90-714D-6326FCC6C132}"/>
+              </a:ext>
+            </a:extLst>
+          </p:cNvPr>
+          <p:cNvSpPr>
+            <a:spLocks noGrp="1"/>
+          </p:cNvSpPr>
+          <p:nvPr>
+            <p:ph sz="quarter" idx="13"/>
+          </p:nvPr>
+        </p:nvSpPr>
+        <p:spPr/>
+        <p:txBody>
+          <a:bodyPr/>
+          <a:lstStyle/>
+          <a:p>
+            <a:r>
+              <a:rPr lang="es-MX" dirty="0"/>
+              <a:t>NO TODOS LOS HACKERS SON MALOS HAY HACKER QUE SE DEDICAN A BUSCAR ERRORES Y AGUJEROS DE LA SEGURIDAD EN EL SOFTWARE PARA HACER SISTEMAS MAS SEGUROS Y RESISTENTES A MENUDO SON CONTRATADOS  POR EMPRESAS O GOBIERNOS  PARA REALIZAR EVALUACIONES DE SEGURIDAD</a:t>
+            </a:r>
+          </a:p>
+          <a:p>
+            <a:r>
+              <a:rPr lang="es-MX" dirty="0"/>
+              <a:t>A ESTE GRUPO DE HACKERS SE LES LLAMA WHITE HATS</a:t>
+            </a:r>
+          </a:p>
+        </p:txBody>
+      </p:sp>
+    </p:spTree>
+    <p:extLst>
+      <p:ext uri="{BB962C8B-B14F-4D97-AF65-F5344CB8AC3E}">
+        <p14:creationId xmlns:p14="http://schemas.microsoft.com/office/powerpoint/2010/main" val="898541735"/>
+      </p:ext>
+    </p:extLst>
+  </p:cSld>
+  <p:clrMapOvr>
+    <a:masterClrMapping/>
+  </p:clrMapOvr>
+</p:sld>
+</file>
+
+<file path=ppt/slides/slide8.xml><?xml version="1.0" encoding="utf-8"?>
+<p:sld xmlns:a="http://schemas.openxmlformats.org/drawingml/2006/main" xmlns:r="http://schemas.openxmlformats.org/officeDocument/2006/relationships" xmlns:p="http://schemas.openxmlformats.org/presentationml/2006/main">
+  <p:cSld>
+    <p:spTree>
+      <p:nvGrpSpPr>
+        <p:cNvPr id="1" name=""/>
+        <p:cNvGrpSpPr/>
+        <p:nvPr/>
+      </p:nvGrpSpPr>
+      <p:grpSpPr>
+        <a:xfrm>
+          <a:off x="0" y="0"/>
+          <a:ext cx="0" cy="0"/>
+          <a:chOff x="0" y="0"/>
+          <a:chExt cx="0" cy="0"/>
+        </a:xfrm>
+      </p:grpSpPr>
+      <p:sp>
+        <p:nvSpPr>
+          <p:cNvPr id="2" name="Título 1">
+            <a:extLst>
+              <a:ext uri="{FF2B5EF4-FFF2-40B4-BE49-F238E27FC236}">
+                <a16:creationId xmlns:a16="http://schemas.microsoft.com/office/drawing/2014/main" id="{BC641FE9-88B2-35ED-DBB2-9F40148D5707}"/>
+              </a:ext>
+            </a:extLst>
+          </p:cNvPr>
+          <p:cNvSpPr>
+            <a:spLocks noGrp="1"/>
+          </p:cNvSpPr>
+          <p:nvPr>
+            <p:ph type="title"/>
+          </p:nvPr>
+        </p:nvSpPr>
+        <p:spPr/>
+        <p:txBody>
+          <a:bodyPr/>
+          <a:lstStyle/>
+          <a:p>
+            <a:r>
+              <a:rPr lang="es-MX" dirty="0"/>
+              <a:t>HACKERS MALICIOSOS</a:t>
+            </a:r>
+          </a:p>
+        </p:txBody>
+      </p:sp>
+      <p:sp>
+        <p:nvSpPr>
+          <p:cNvPr id="3" name="Marcador de contenido 2">
+            <a:extLst>
+              <a:ext uri="{FF2B5EF4-FFF2-40B4-BE49-F238E27FC236}">
+                <a16:creationId xmlns:a16="http://schemas.microsoft.com/office/drawing/2014/main" id="{1D11225D-C733-F3C1-9723-776B2D18C25A}"/>
+              </a:ext>
+            </a:extLst>
+          </p:cNvPr>
+          <p:cNvSpPr>
+            <a:spLocks noGrp="1"/>
+          </p:cNvSpPr>
+          <p:nvPr>
+            <p:ph sz="quarter" idx="13"/>
+          </p:nvPr>
+        </p:nvSpPr>
+        <p:spPr/>
+        <p:txBody>
+          <a:bodyPr/>
+          <a:lstStyle/>
+          <a:p>
+            <a:r>
+              <a:rPr lang="es-MX" dirty="0"/>
+              <a:t>LOS BLACK HATS SON GRUPOS DE HCAKERS MALICIOSOS PIRATAS INFORMATICOS QUE BUSCAN  ROBAR Y EXPLOTAR A OTROS USUARIOS Y VENDER VULNERABILIDADES INFORMATICAS Y DATOS</a:t>
+            </a:r>
+          </a:p>
+          <a:p>
+            <a:r>
+              <a:rPr lang="es-MX" dirty="0"/>
+              <a:t>LOS MALWARE QUE TE PUEDEN HACER LLEGAR PUEDE ADAPTAR MUCHAS FORMAS</a:t>
+            </a:r>
+          </a:p>
+          <a:p>
+            <a:r>
+              <a:rPr lang="es-MX" dirty="0"/>
+              <a:t>ROBAR DATOS BANCARIOS,CARTAS CREDENCIALES ,OTROS PUEDEN CIFRAR TUS ARCHIVOS Y EXIGIR UN RESCATE LO QUE SE LLAMA RANSOMWARE</a:t>
+            </a:r>
+          </a:p>
+        </p:txBody>
+      </p:sp>
+      <p:pic>
+        <p:nvPicPr>
+          <p:cNvPr id="2050" name="Picture 2" descr="Cómo te pueden robar una cuenta bancaria: pasos para evitarlo - Solo Dinero">
+            <a:extLst>
+              <a:ext uri="{FF2B5EF4-FFF2-40B4-BE49-F238E27FC236}">
+                <a16:creationId xmlns:a16="http://schemas.microsoft.com/office/drawing/2014/main" id="{71812913-283B-FC94-7861-6D2D1BB87D56}"/>
+              </a:ext>
+            </a:extLst>
+          </p:cNvPr>
+          <p:cNvPicPr>
+            <a:picLocks noChangeAspect="1" noChangeArrowheads="1"/>
+          </p:cNvPicPr>
+          <p:nvPr/>
+        </p:nvPicPr>
+        <p:blipFill>
+          <a:blip r:embed="rId2">
+            <a:extLst>
+              <a:ext uri="{28A0092B-C50C-407E-A947-70E740481C1C}">
+                <a14:useLocalDpi xmlns:a14="http://schemas.microsoft.com/office/drawing/2010/main" val="0"/>
+              </a:ext>
+            </a:extLst>
+          </a:blip>
+          <a:srcRect/>
+          <a:stretch>
+            <a:fillRect/>
+          </a:stretch>
+        </p:blipFill>
+        <p:spPr bwMode="auto">
+          <a:xfrm>
+            <a:off x="5548859" y="4390315"/>
+            <a:ext cx="3499625" cy="1968539"/>
+          </a:xfrm>
+          <a:prstGeom prst="rect">
+            <a:avLst/>
+          </a:prstGeom>
+          <a:noFill/>
+          <a:extLst>
+            <a:ext uri="{909E8E84-426E-40DD-AFC4-6F175D3DCCD1}">
+              <a14:hiddenFill xmlns:a14="http://schemas.microsoft.com/office/drawing/2010/main">
+                <a:solidFill>
+                  <a:srgbClr val="FFFFFF"/>
+                </a:solidFill>
+              </a14:hiddenFill>
+            </a:ext>
+          </a:extLst>
+        </p:spPr>
+      </p:pic>
+    </p:spTree>
+    <p:extLst>
+      <p:ext uri="{BB962C8B-B14F-4D97-AF65-F5344CB8AC3E}">
+        <p14:creationId xmlns:p14="http://schemas.microsoft.com/office/powerpoint/2010/main" val="3380624199"/>
+      </p:ext>
+    </p:extLst>
+  </p:cSld>
+  <p:clrMapOvr>
+    <a:masterClrMapping/>
+  </p:clrMapOvr>
+</p:sld>
+</file>
+
+<file path=ppt/slides/slide9.xml><?xml version="1.0" encoding="utf-8"?>
+<p:sld xmlns:a="http://schemas.openxmlformats.org/drawingml/2006/main" xmlns:r="http://schemas.openxmlformats.org/officeDocument/2006/relationships" xmlns:p="http://schemas.openxmlformats.org/presentationml/2006/main">
+  <p:cSld>
+    <p:spTree>
+      <p:nvGrpSpPr>
+        <p:cNvPr id="1" name=""/>
+        <p:cNvGrpSpPr/>
+        <p:nvPr/>
+      </p:nvGrpSpPr>
+      <p:grpSpPr>
+        <a:xfrm>
+          <a:off x="0" y="0"/>
+          <a:ext cx="0" cy="0"/>
+          <a:chOff x="0" y="0"/>
+          <a:chExt cx="0" cy="0"/>
+        </a:xfrm>
+      </p:grpSpPr>
+      <p:sp>
+        <p:nvSpPr>
+          <p:cNvPr id="2" name="Título 1">
+            <a:extLst>
+              <a:ext uri="{FF2B5EF4-FFF2-40B4-BE49-F238E27FC236}">
+                <a16:creationId xmlns:a16="http://schemas.microsoft.com/office/drawing/2014/main" id="{EB923FA8-A080-CC9C-60D2-7EF29E9A810B}"/>
+              </a:ext>
+            </a:extLst>
+          </p:cNvPr>
+          <p:cNvSpPr>
+            <a:spLocks noGrp="1"/>
+          </p:cNvSpPr>
+          <p:nvPr>
+            <p:ph type="title"/>
+          </p:nvPr>
+        </p:nvSpPr>
+        <p:spPr/>
+        <p:txBody>
+          <a:bodyPr/>
+          <a:lstStyle/>
+          <a:p>
+            <a:r>
+              <a:rPr lang="es-MX" dirty="0"/>
+              <a:t>CRIPTOGRAFIA</a:t>
+            </a:r>
+          </a:p>
+        </p:txBody>
+      </p:sp>
+      <p:sp>
+        <p:nvSpPr>
+          <p:cNvPr id="3" name="Marcador de contenido 2">
+            <a:extLst>
+              <a:ext uri="{FF2B5EF4-FFF2-40B4-BE49-F238E27FC236}">
+                <a16:creationId xmlns:a16="http://schemas.microsoft.com/office/drawing/2014/main" id="{C41E16B4-422F-95E0-B14D-E225D0D19F4E}"/>
+              </a:ext>
+            </a:extLst>
+          </p:cNvPr>
+          <p:cNvSpPr>
+            <a:spLocks noGrp="1"/>
+          </p:cNvSpPr>
+          <p:nvPr>
+            <p:ph sz="quarter" idx="13"/>
+          </p:nvPr>
+        </p:nvSpPr>
+        <p:spPr/>
+        <p:txBody>
+          <a:bodyPr/>
+          <a:lstStyle/>
+          <a:p>
+            <a:pPr marL="0" indent="0">
+              <a:buNone/>
+            </a:pPr>
+            <a:r>
+              <a:rPr lang="es-MX" dirty="0"/>
+              <a:t>Mantener una información segura se le llama cifrado su proceso inverso que le llama encriptado</a:t>
+            </a:r>
+          </a:p>
+          <a:p>
+            <a:pPr marL="0" indent="0">
+              <a:buNone/>
+            </a:pPr>
+            <a:r>
+              <a:rPr lang="es-MX" dirty="0"/>
+              <a:t>Cifrado: la información de un sistema de computadora no pueda robarla ni leerla alguien que desee utilizarla con fines maliciosos.</a:t>
+            </a:r>
+          </a:p>
+          <a:p>
+            <a:pPr marL="0" indent="0">
+              <a:buNone/>
+            </a:pPr>
+            <a:r>
+              <a:rPr lang="es-MX" dirty="0" err="1"/>
+              <a:t>Encriptado:proceso</a:t>
+            </a:r>
+            <a:r>
+              <a:rPr lang="es-MX" dirty="0"/>
+              <a:t> de protección de información o datos mediante modelos matemáticos para mezclarlos de tal manera que solo las partes que tengan la clave para descifrarlos puedan accede a él.</a:t>
+            </a:r>
+          </a:p>
+        </p:txBody>
+      </p:sp>
+    </p:spTree>
+    <p:extLst>
+      <p:ext uri="{BB962C8B-B14F-4D97-AF65-F5344CB8AC3E}">
+        <p14:creationId xmlns:p14="http://schemas.microsoft.com/office/powerpoint/2010/main" val="2614028336"/>
       </p:ext>
     </p:extLst>
   </p:cSld>
